--- a/tolgagureli.pptx
+++ b/tolgagureli.pptx
@@ -82,6 +82,7 @@
     <p:sldId id="337" r:id="rId76"/>
     <p:sldId id="334" r:id="rId77"/>
     <p:sldId id="329" r:id="rId78"/>
+    <p:sldId id="338" r:id="rId79"/>
   </p:sldIdLst>
   <p:sldSz cx="12192000" cy="6858000"/>
   <p:notesSz cx="6858000" cy="9144000"/>
@@ -294,6 +295,7 @@
         <p14:section name="2 Week 5 Homework" id="{F194FC8C-0718-4835-98C3-8779EA869EAE}">
           <p14:sldIdLst>
             <p14:sldId id="329"/>
+            <p14:sldId id="338"/>
           </p14:sldIdLst>
         </p14:section>
       </p14:sectionLst>
@@ -466,7 +468,7 @@
           <a:p>
             <a:fld id="{8C8EA4E9-EE63-42B6-8332-8FE9F753DDA1}" type="datetimeFigureOut">
               <a:rPr lang="tr-TR" smtClean="0"/>
-              <a:t>3.06.2022</a:t>
+              <a:t>5.06.2022</a:t>
             </a:fld>
             <a:endParaRPr lang="tr-TR"/>
           </a:p>
@@ -666,7 +668,7 @@
           <a:p>
             <a:fld id="{8C8EA4E9-EE63-42B6-8332-8FE9F753DDA1}" type="datetimeFigureOut">
               <a:rPr lang="tr-TR" smtClean="0"/>
-              <a:t>3.06.2022</a:t>
+              <a:t>5.06.2022</a:t>
             </a:fld>
             <a:endParaRPr lang="tr-TR"/>
           </a:p>
@@ -876,7 +878,7 @@
           <a:p>
             <a:fld id="{8C8EA4E9-EE63-42B6-8332-8FE9F753DDA1}" type="datetimeFigureOut">
               <a:rPr lang="tr-TR" smtClean="0"/>
-              <a:t>3.06.2022</a:t>
+              <a:t>5.06.2022</a:t>
             </a:fld>
             <a:endParaRPr lang="tr-TR"/>
           </a:p>
@@ -1076,7 +1078,7 @@
           <a:p>
             <a:fld id="{8C8EA4E9-EE63-42B6-8332-8FE9F753DDA1}" type="datetimeFigureOut">
               <a:rPr lang="tr-TR" smtClean="0"/>
-              <a:t>3.06.2022</a:t>
+              <a:t>5.06.2022</a:t>
             </a:fld>
             <a:endParaRPr lang="tr-TR"/>
           </a:p>
@@ -1352,7 +1354,7 @@
           <a:p>
             <a:fld id="{8C8EA4E9-EE63-42B6-8332-8FE9F753DDA1}" type="datetimeFigureOut">
               <a:rPr lang="tr-TR" smtClean="0"/>
-              <a:t>3.06.2022</a:t>
+              <a:t>5.06.2022</a:t>
             </a:fld>
             <a:endParaRPr lang="tr-TR"/>
           </a:p>
@@ -1620,7 +1622,7 @@
           <a:p>
             <a:fld id="{8C8EA4E9-EE63-42B6-8332-8FE9F753DDA1}" type="datetimeFigureOut">
               <a:rPr lang="tr-TR" smtClean="0"/>
-              <a:t>3.06.2022</a:t>
+              <a:t>5.06.2022</a:t>
             </a:fld>
             <a:endParaRPr lang="tr-TR"/>
           </a:p>
@@ -2035,7 +2037,7 @@
           <a:p>
             <a:fld id="{8C8EA4E9-EE63-42B6-8332-8FE9F753DDA1}" type="datetimeFigureOut">
               <a:rPr lang="tr-TR" smtClean="0"/>
-              <a:t>3.06.2022</a:t>
+              <a:t>5.06.2022</a:t>
             </a:fld>
             <a:endParaRPr lang="tr-TR"/>
           </a:p>
@@ -2177,7 +2179,7 @@
           <a:p>
             <a:fld id="{8C8EA4E9-EE63-42B6-8332-8FE9F753DDA1}" type="datetimeFigureOut">
               <a:rPr lang="tr-TR" smtClean="0"/>
-              <a:t>3.06.2022</a:t>
+              <a:t>5.06.2022</a:t>
             </a:fld>
             <a:endParaRPr lang="tr-TR"/>
           </a:p>
@@ -2290,7 +2292,7 @@
           <a:p>
             <a:fld id="{8C8EA4E9-EE63-42B6-8332-8FE9F753DDA1}" type="datetimeFigureOut">
               <a:rPr lang="tr-TR" smtClean="0"/>
-              <a:t>3.06.2022</a:t>
+              <a:t>5.06.2022</a:t>
             </a:fld>
             <a:endParaRPr lang="tr-TR"/>
           </a:p>
@@ -2603,7 +2605,7 @@
           <a:p>
             <a:fld id="{8C8EA4E9-EE63-42B6-8332-8FE9F753DDA1}" type="datetimeFigureOut">
               <a:rPr lang="tr-TR" smtClean="0"/>
-              <a:t>3.06.2022</a:t>
+              <a:t>5.06.2022</a:t>
             </a:fld>
             <a:endParaRPr lang="tr-TR"/>
           </a:p>
@@ -2892,7 +2894,7 @@
           <a:p>
             <a:fld id="{8C8EA4E9-EE63-42B6-8332-8FE9F753DDA1}" type="datetimeFigureOut">
               <a:rPr lang="tr-TR" smtClean="0"/>
-              <a:t>3.06.2022</a:t>
+              <a:t>5.06.2022</a:t>
             </a:fld>
             <a:endParaRPr lang="tr-TR"/>
           </a:p>
@@ -3135,7 +3137,7 @@
           <a:p>
             <a:fld id="{8C8EA4E9-EE63-42B6-8332-8FE9F753DDA1}" type="datetimeFigureOut">
               <a:rPr lang="tr-TR" smtClean="0"/>
-              <a:t>3.06.2022</a:t>
+              <a:t>5.06.2022</a:t>
             </a:fld>
             <a:endParaRPr lang="tr-TR"/>
           </a:p>
@@ -14415,10 +14417,10 @@
             </a:r>
           </a:p>
           <a:p>
-            <a:endParaRPr lang="tr-TR"/>
-          </a:p>
-          <a:p>
-            <a:endParaRPr lang="tr-TR"/>
+            <a:endParaRPr lang="tr-TR" dirty="0"/>
+          </a:p>
+          <a:p>
+            <a:endParaRPr lang="tr-TR" dirty="0"/>
           </a:p>
         </p:txBody>
       </p:sp>
@@ -16277,6 +16279,141 @@
     <p:extLst>
       <p:ext uri="{BB962C8B-B14F-4D97-AF65-F5344CB8AC3E}">
         <p14:creationId xmlns:p14="http://schemas.microsoft.com/office/powerpoint/2010/main" val="2385067935"/>
+      </p:ext>
+    </p:extLst>
+  </p:cSld>
+  <p:clrMapOvr>
+    <a:masterClrMapping/>
+  </p:clrMapOvr>
+</p:sld>
+</file>
+
+<file path=ppt/slides/slide78.xml><?xml version="1.0" encoding="utf-8"?>
+<p:sld xmlns:a="http://schemas.openxmlformats.org/drawingml/2006/main" xmlns:r="http://schemas.openxmlformats.org/officeDocument/2006/relationships" xmlns:p="http://schemas.openxmlformats.org/presentationml/2006/main">
+  <p:cSld>
+    <p:spTree>
+      <p:nvGrpSpPr>
+        <p:cNvPr id="1" name=""/>
+        <p:cNvGrpSpPr/>
+        <p:nvPr/>
+      </p:nvGrpSpPr>
+      <p:grpSpPr>
+        <a:xfrm>
+          <a:off x="0" y="0"/>
+          <a:ext cx="0" cy="0"/>
+          <a:chOff x="0" y="0"/>
+          <a:chExt cx="0" cy="0"/>
+        </a:xfrm>
+      </p:grpSpPr>
+      <p:sp>
+        <p:nvSpPr>
+          <p:cNvPr id="2" name="Title 1">
+            <a:extLst>
+              <a:ext uri="{FF2B5EF4-FFF2-40B4-BE49-F238E27FC236}">
+                <a16:creationId xmlns:a16="http://schemas.microsoft.com/office/drawing/2014/main" id="{E9BC9C22-A5A9-45FD-A732-65EAC1FED731}"/>
+              </a:ext>
+            </a:extLst>
+          </p:cNvPr>
+          <p:cNvSpPr>
+            <a:spLocks noGrp="1"/>
+          </p:cNvSpPr>
+          <p:nvPr>
+            <p:ph type="title"/>
+          </p:nvPr>
+        </p:nvSpPr>
+        <p:spPr/>
+        <p:txBody>
+          <a:bodyPr/>
+          <a:lstStyle/>
+          <a:p>
+            <a:endParaRPr lang="tr-TR"/>
+          </a:p>
+        </p:txBody>
+      </p:sp>
+      <p:sp>
+        <p:nvSpPr>
+          <p:cNvPr id="3" name="Content Placeholder 2">
+            <a:extLst>
+              <a:ext uri="{FF2B5EF4-FFF2-40B4-BE49-F238E27FC236}">
+                <a16:creationId xmlns:a16="http://schemas.microsoft.com/office/drawing/2014/main" id="{5E55F9DC-1DE3-47D4-8B26-8020ED6A0B60}"/>
+              </a:ext>
+            </a:extLst>
+          </p:cNvPr>
+          <p:cNvSpPr>
+            <a:spLocks noGrp="1"/>
+          </p:cNvSpPr>
+          <p:nvPr>
+            <p:ph idx="1"/>
+          </p:nvPr>
+        </p:nvSpPr>
+        <p:spPr>
+          <a:xfrm>
+            <a:off x="838200" y="1825625"/>
+            <a:ext cx="10515600" cy="4351338"/>
+          </a:xfrm>
+        </p:spPr>
+        <p:txBody>
+          <a:bodyPr/>
+          <a:lstStyle/>
+          <a:p>
+            <a:r>
+              <a:rPr lang="tr-TR" dirty="0"/>
+              <a:t>Bir geri çağırma fonksiyonu, bir fonksiyonda başka bir fonksiyonu çağırma işlemidir. Geri çağırma fonksiyonu, ikinci fonksiyonun içinde çağrılır. Asenkrondur. Buna küçük bir örnek vermek gerekirse adım adım üye olma işlemi gerçekleştirirken bir sonraki adıma geçmek için bulunduğun sayfadaki gerekli bilgileri girmen lazım. Böylelikle step </a:t>
+            </a:r>
+            <a:r>
+              <a:rPr lang="tr-TR" dirty="0" err="1"/>
+              <a:t>by</a:t>
+            </a:r>
+            <a:r>
+              <a:rPr lang="tr-TR" dirty="0"/>
+              <a:t> step mantığıyla ilerler.</a:t>
+            </a:r>
+          </a:p>
+          <a:p>
+            <a:r>
+              <a:rPr lang="tr-TR" dirty="0"/>
+              <a:t>Basit bir örnek:</a:t>
+            </a:r>
+          </a:p>
+          <a:p>
+            <a:endParaRPr lang="tr-TR" dirty="0"/>
+          </a:p>
+        </p:txBody>
+      </p:sp>
+      <p:pic>
+        <p:nvPicPr>
+          <p:cNvPr id="6" name="Picture 5">
+            <a:extLst>
+              <a:ext uri="{FF2B5EF4-FFF2-40B4-BE49-F238E27FC236}">
+                <a16:creationId xmlns:a16="http://schemas.microsoft.com/office/drawing/2014/main" id="{1193B4DF-6292-4B06-8318-FDD7087FC60C}"/>
+              </a:ext>
+            </a:extLst>
+          </p:cNvPr>
+          <p:cNvPicPr>
+            <a:picLocks noChangeAspect="1"/>
+          </p:cNvPicPr>
+          <p:nvPr/>
+        </p:nvPicPr>
+        <p:blipFill>
+          <a:blip r:embed="rId2"/>
+          <a:stretch>
+            <a:fillRect/>
+          </a:stretch>
+        </p:blipFill>
+        <p:spPr>
+          <a:xfrm>
+            <a:off x="3622088" y="4292062"/>
+            <a:ext cx="3293617" cy="1884901"/>
+          </a:xfrm>
+          <a:prstGeom prst="rect">
+            <a:avLst/>
+          </a:prstGeom>
+        </p:spPr>
+      </p:pic>
+    </p:spTree>
+    <p:extLst>
+      <p:ext uri="{BB962C8B-B14F-4D97-AF65-F5344CB8AC3E}">
+        <p14:creationId xmlns:p14="http://schemas.microsoft.com/office/powerpoint/2010/main" val="1712661197"/>
       </p:ext>
     </p:extLst>
   </p:cSld>
